--- a/MinesWeeper .pptx
+++ b/MinesWeeper .pptx
@@ -32587,19 +32587,11 @@
             <a:pPr marL="0" indent="0"/>
             <a:r>
               <a:rPr lang="de-AT" dirty="0" smtClean="0">
+                <a:latin typeface="Agency FB" panose="020B0503020202020204" pitchFamily="34" charset="0"/>
                 <a:ea typeface="TitilliumMaps29L 1 wt"/>
               </a:rPr>
-              <a:t>Dobromir </a:t>
-            </a:r>
-            <a:r>
-              <a:rPr lang="de-AT" dirty="0" smtClean="0">
-                <a:ea typeface="TitilliumMaps29L 1 wt"/>
-              </a:rPr>
-              <a:t>Ganev</a:t>
-            </a:r>
-            <a:endParaRPr lang="de-AT" dirty="0" smtClean="0">
-              <a:ea typeface="TitilliumMaps29L 1 wt"/>
-            </a:endParaRPr>
+              <a:t>Dobromir Ganev</a:t>
+            </a:r>
           </a:p>
         </p:txBody>
       </p:sp>
@@ -33003,8 +32995,8 @@
         </p:nvSpPr>
         <p:spPr bwMode="auto">
           <a:xfrm>
-            <a:off x="119750" y="4331072"/>
-            <a:ext cx="3254829" cy="979942"/>
+            <a:off x="119746" y="4353087"/>
+            <a:ext cx="3254829" cy="554114"/>
           </a:xfrm>
           <a:prstGeom prst="rect">
             <a:avLst/>
@@ -33175,25 +33167,11 @@
           <a:p>
             <a:pPr marL="0" indent="0"/>
             <a:r>
-              <a:rPr lang="en-US" dirty="0" err="1" smtClean="0">
+              <a:rPr lang="de-AT" dirty="0" smtClean="0">
                 <a:latin typeface="Agency FB" panose="020B0503020202020204" pitchFamily="34" charset="0"/>
                 <a:ea typeface="TitilliumMaps29L 1 wt"/>
               </a:rPr>
-              <a:t>Mihail</a:t>
-            </a:r>
-            <a:r>
-              <a:rPr lang="en-US" dirty="0" smtClean="0">
-                <a:latin typeface="Agency FB" panose="020B0503020202020204" pitchFamily="34" charset="0"/>
-                <a:ea typeface="TitilliumMaps29L 1 wt"/>
-              </a:rPr>
-              <a:t> </a:t>
-            </a:r>
-            <a:r>
-              <a:rPr lang="en-US" dirty="0" err="1" smtClean="0">
-                <a:latin typeface="Agency FB" panose="020B0503020202020204" pitchFamily="34" charset="0"/>
-                <a:ea typeface="TitilliumMaps29L 1 wt"/>
-              </a:rPr>
-              <a:t>Yankov</a:t>
+              <a:t>Mihail Yankov</a:t>
             </a:r>
             <a:endParaRPr lang="de-AT" dirty="0">
               <a:latin typeface="Agency FB" panose="020B0503020202020204" pitchFamily="34" charset="0"/>
@@ -33213,7 +33191,7 @@
         <p:spPr bwMode="auto">
           <a:xfrm>
             <a:off x="97982" y="3862585"/>
-            <a:ext cx="3254829" cy="979942"/>
+            <a:ext cx="3254829" cy="548541"/>
           </a:xfrm>
           <a:prstGeom prst="rect">
             <a:avLst/>
@@ -33603,7 +33581,7 @@
         <p:spPr bwMode="auto">
           <a:xfrm>
             <a:off x="159121" y="5774899"/>
-            <a:ext cx="3254829" cy="979942"/>
+            <a:ext cx="3254829" cy="536555"/>
           </a:xfrm>
           <a:prstGeom prst="rect">
             <a:avLst/>
@@ -34028,7 +34006,7 @@
         </p:blipFill>
         <p:spPr>
           <a:xfrm>
-            <a:off x="3903736" y="3053163"/>
+            <a:off x="4360940" y="3053163"/>
             <a:ext cx="4451701" cy="3042838"/>
           </a:xfrm>
           <a:prstGeom prst="rect">
@@ -34103,6 +34081,1566 @@
                 </a:schemeClr>
               </a:solidFill>
               <a:latin typeface="Agency FB" panose="020B0503020202020204" pitchFamily="34" charset="0"/>
+            </a:endParaRPr>
+          </a:p>
+        </p:txBody>
+      </p:sp>
+      <p:sp>
+        <p:nvSpPr>
+          <p:cNvPr id="13" name="Textplatzhalter 4"/>
+          <p:cNvSpPr txBox="1">
+            <a:spLocks/>
+          </p:cNvSpPr>
+          <p:nvPr/>
+        </p:nvSpPr>
+        <p:spPr bwMode="auto">
+          <a:xfrm>
+            <a:off x="2079187" y="4363327"/>
+            <a:ext cx="3254829" cy="540064"/>
+          </a:xfrm>
+          <a:prstGeom prst="rect">
+            <a:avLst/>
+          </a:prstGeom>
+          <a:noFill/>
+          <a:ln w="9525">
+            <a:noFill/>
+            <a:miter lim="800000"/>
+            <a:headEnd/>
+            <a:tailEnd/>
+          </a:ln>
+        </p:spPr>
+        <p:txBody>
+          <a:bodyPr vert="horz" wrap="square" lIns="91440" tIns="45720" rIns="91440" bIns="45720" numCol="1" anchor="t" anchorCtr="0" compatLnSpc="1">
+            <a:prstTxWarp prst="textNoShape">
+              <a:avLst/>
+            </a:prstTxWarp>
+            <a:noAutofit/>
+          </a:bodyPr>
+          <a:lstStyle>
+            <a:lvl1pPr marL="342900" indent="-342900" algn="l" defTabSz="457200" rtl="0" eaLnBrk="0" fontAlgn="base" hangingPunct="0">
+              <a:spcBef>
+                <a:spcPct val="20000"/>
+              </a:spcBef>
+              <a:spcAft>
+                <a:spcPct val="0"/>
+              </a:spcAft>
+              <a:buFont typeface="Arial" pitchFamily="34" charset="0"/>
+              <a:buNone/>
+              <a:defRPr lang="en-US" sz="2400" b="0" kern="1200" baseline="0" smtClean="0">
+                <a:solidFill>
+                  <a:schemeClr val="bg1"/>
+                </a:solidFill>
+                <a:latin typeface="TitilliumMaps29L 1 wt"/>
+                <a:ea typeface="Trebuchet MS" pitchFamily="34" charset="0"/>
+                <a:cs typeface="TitilliumMaps29L 1 wt"/>
+              </a:defRPr>
+            </a:lvl1pPr>
+            <a:lvl2pPr marL="742950" indent="-285750" algn="l" defTabSz="457200" rtl="0" eaLnBrk="0" fontAlgn="base" hangingPunct="0">
+              <a:spcBef>
+                <a:spcPct val="20000"/>
+              </a:spcBef>
+              <a:spcAft>
+                <a:spcPct val="0"/>
+              </a:spcAft>
+              <a:buFont typeface="Arial" pitchFamily="34" charset="0"/>
+              <a:defRPr sz="1600" kern="1200">
+                <a:solidFill>
+                  <a:schemeClr val="tx1"/>
+                </a:solidFill>
+                <a:latin typeface="Trebuchet MS"/>
+                <a:ea typeface="Trebuchet MS" pitchFamily="34" charset="0"/>
+                <a:cs typeface="Trebuchet MS"/>
+              </a:defRPr>
+            </a:lvl2pPr>
+            <a:lvl3pPr marL="1143000" indent="-228600" algn="l" defTabSz="457200" rtl="0" eaLnBrk="0" fontAlgn="base" hangingPunct="0">
+              <a:spcBef>
+                <a:spcPct val="20000"/>
+              </a:spcBef>
+              <a:spcAft>
+                <a:spcPct val="0"/>
+              </a:spcAft>
+              <a:buFont typeface="Arial" pitchFamily="34" charset="0"/>
+              <a:defRPr sz="1600" kern="1200">
+                <a:solidFill>
+                  <a:schemeClr val="tx1"/>
+                </a:solidFill>
+                <a:latin typeface="Trebuchet MS"/>
+                <a:ea typeface="Trebuchet MS" pitchFamily="34" charset="0"/>
+                <a:cs typeface="Trebuchet MS"/>
+              </a:defRPr>
+            </a:lvl3pPr>
+            <a:lvl4pPr marL="1600200" indent="-228600" algn="l" defTabSz="457200" rtl="0" eaLnBrk="0" fontAlgn="base" hangingPunct="0">
+              <a:spcBef>
+                <a:spcPct val="20000"/>
+              </a:spcBef>
+              <a:spcAft>
+                <a:spcPct val="0"/>
+              </a:spcAft>
+              <a:buFont typeface="Arial" pitchFamily="34" charset="0"/>
+              <a:defRPr sz="1600" kern="1200">
+                <a:solidFill>
+                  <a:schemeClr val="tx1"/>
+                </a:solidFill>
+                <a:latin typeface="Trebuchet MS"/>
+                <a:ea typeface="Trebuchet MS" pitchFamily="34" charset="0"/>
+                <a:cs typeface="Trebuchet MS"/>
+              </a:defRPr>
+            </a:lvl4pPr>
+            <a:lvl5pPr marL="2057400" indent="-228600" algn="l" defTabSz="457200" rtl="0" eaLnBrk="0" fontAlgn="base" hangingPunct="0">
+              <a:spcBef>
+                <a:spcPct val="20000"/>
+              </a:spcBef>
+              <a:spcAft>
+                <a:spcPct val="0"/>
+              </a:spcAft>
+              <a:buFont typeface="Arial" pitchFamily="34" charset="0"/>
+              <a:defRPr sz="1600" kern="1200">
+                <a:solidFill>
+                  <a:schemeClr val="tx1"/>
+                </a:solidFill>
+                <a:latin typeface="Trebuchet MS"/>
+                <a:ea typeface="Trebuchet MS" pitchFamily="34" charset="0"/>
+                <a:cs typeface="Trebuchet MS"/>
+              </a:defRPr>
+            </a:lvl5pPr>
+            <a:lvl6pPr marL="2514600" indent="-228600" algn="l" defTabSz="457200" rtl="0" eaLnBrk="1" latinLnBrk="0" hangingPunct="1">
+              <a:spcBef>
+                <a:spcPct val="20000"/>
+              </a:spcBef>
+              <a:buFont typeface="Arial"/>
+              <a:buChar char="•"/>
+              <a:defRPr sz="2000" kern="1200">
+                <a:solidFill>
+                  <a:schemeClr val="tx1"/>
+                </a:solidFill>
+                <a:latin typeface="+mn-lt"/>
+                <a:ea typeface="+mn-ea"/>
+                <a:cs typeface="+mn-cs"/>
+              </a:defRPr>
+            </a:lvl6pPr>
+            <a:lvl7pPr marL="2971800" indent="-228600" algn="l" defTabSz="457200" rtl="0" eaLnBrk="1" latinLnBrk="0" hangingPunct="1">
+              <a:spcBef>
+                <a:spcPct val="20000"/>
+              </a:spcBef>
+              <a:buFont typeface="Arial"/>
+              <a:buChar char="•"/>
+              <a:defRPr sz="2000" kern="1200">
+                <a:solidFill>
+                  <a:schemeClr val="tx1"/>
+                </a:solidFill>
+                <a:latin typeface="+mn-lt"/>
+                <a:ea typeface="+mn-ea"/>
+                <a:cs typeface="+mn-cs"/>
+              </a:defRPr>
+            </a:lvl7pPr>
+            <a:lvl8pPr marL="3429000" indent="-228600" algn="l" defTabSz="457200" rtl="0" eaLnBrk="1" latinLnBrk="0" hangingPunct="1">
+              <a:spcBef>
+                <a:spcPct val="20000"/>
+              </a:spcBef>
+              <a:buFont typeface="Arial"/>
+              <a:buChar char="•"/>
+              <a:defRPr sz="2000" kern="1200">
+                <a:solidFill>
+                  <a:schemeClr val="tx1"/>
+                </a:solidFill>
+                <a:latin typeface="+mn-lt"/>
+                <a:ea typeface="+mn-ea"/>
+                <a:cs typeface="+mn-cs"/>
+              </a:defRPr>
+            </a:lvl8pPr>
+            <a:lvl9pPr marL="3886200" indent="-228600" algn="l" defTabSz="457200" rtl="0" eaLnBrk="1" latinLnBrk="0" hangingPunct="1">
+              <a:spcBef>
+                <a:spcPct val="20000"/>
+              </a:spcBef>
+              <a:buFont typeface="Arial"/>
+              <a:buChar char="•"/>
+              <a:defRPr sz="2000" kern="1200">
+                <a:solidFill>
+                  <a:schemeClr val="tx1"/>
+                </a:solidFill>
+                <a:latin typeface="+mn-lt"/>
+                <a:ea typeface="+mn-ea"/>
+                <a:cs typeface="+mn-cs"/>
+              </a:defRPr>
+            </a:lvl9pPr>
+          </a:lstStyle>
+          <a:p>
+            <a:pPr marL="0" indent="0"/>
+            <a:r>
+              <a:rPr lang="de-AT" dirty="0" smtClean="0">
+                <a:latin typeface="Agency FB" panose="020B0503020202020204" pitchFamily="34" charset="0"/>
+                <a:ea typeface="TitilliumMaps29L 1 wt"/>
+              </a:rPr>
+              <a:t>user : M.Yankov</a:t>
+            </a:r>
+            <a:endParaRPr lang="de-AT" dirty="0">
+              <a:latin typeface="Agency FB" panose="020B0503020202020204" pitchFamily="34" charset="0"/>
+              <a:ea typeface="TitilliumMaps29L 1 wt"/>
+            </a:endParaRPr>
+          </a:p>
+        </p:txBody>
+      </p:sp>
+      <p:sp>
+        <p:nvSpPr>
+          <p:cNvPr id="14" name="Textplatzhalter 4"/>
+          <p:cNvSpPr txBox="1">
+            <a:spLocks/>
+          </p:cNvSpPr>
+          <p:nvPr/>
+        </p:nvSpPr>
+        <p:spPr bwMode="auto">
+          <a:xfrm>
+            <a:off x="2090069" y="3873462"/>
+            <a:ext cx="3254829" cy="598938"/>
+          </a:xfrm>
+          <a:prstGeom prst="rect">
+            <a:avLst/>
+          </a:prstGeom>
+          <a:noFill/>
+          <a:ln w="9525">
+            <a:noFill/>
+            <a:miter lim="800000"/>
+            <a:headEnd/>
+            <a:tailEnd/>
+          </a:ln>
+        </p:spPr>
+        <p:txBody>
+          <a:bodyPr vert="horz" wrap="square" lIns="91440" tIns="45720" rIns="91440" bIns="45720" numCol="1" anchor="t" anchorCtr="0" compatLnSpc="1">
+            <a:prstTxWarp prst="textNoShape">
+              <a:avLst/>
+            </a:prstTxWarp>
+            <a:noAutofit/>
+          </a:bodyPr>
+          <a:lstStyle>
+            <a:lvl1pPr marL="342900" indent="-342900" algn="l" defTabSz="457200" rtl="0" eaLnBrk="0" fontAlgn="base" hangingPunct="0">
+              <a:spcBef>
+                <a:spcPct val="20000"/>
+              </a:spcBef>
+              <a:spcAft>
+                <a:spcPct val="0"/>
+              </a:spcAft>
+              <a:buFont typeface="Arial" pitchFamily="34" charset="0"/>
+              <a:buNone/>
+              <a:defRPr lang="en-US" sz="2400" b="0" kern="1200" baseline="0" smtClean="0">
+                <a:solidFill>
+                  <a:schemeClr val="bg1"/>
+                </a:solidFill>
+                <a:latin typeface="TitilliumMaps29L 1 wt"/>
+                <a:ea typeface="Trebuchet MS" pitchFamily="34" charset="0"/>
+                <a:cs typeface="TitilliumMaps29L 1 wt"/>
+              </a:defRPr>
+            </a:lvl1pPr>
+            <a:lvl2pPr marL="742950" indent="-285750" algn="l" defTabSz="457200" rtl="0" eaLnBrk="0" fontAlgn="base" hangingPunct="0">
+              <a:spcBef>
+                <a:spcPct val="20000"/>
+              </a:spcBef>
+              <a:spcAft>
+                <a:spcPct val="0"/>
+              </a:spcAft>
+              <a:buFont typeface="Arial" pitchFamily="34" charset="0"/>
+              <a:defRPr sz="1600" kern="1200">
+                <a:solidFill>
+                  <a:schemeClr val="tx1"/>
+                </a:solidFill>
+                <a:latin typeface="Trebuchet MS"/>
+                <a:ea typeface="Trebuchet MS" pitchFamily="34" charset="0"/>
+                <a:cs typeface="Trebuchet MS"/>
+              </a:defRPr>
+            </a:lvl2pPr>
+            <a:lvl3pPr marL="1143000" indent="-228600" algn="l" defTabSz="457200" rtl="0" eaLnBrk="0" fontAlgn="base" hangingPunct="0">
+              <a:spcBef>
+                <a:spcPct val="20000"/>
+              </a:spcBef>
+              <a:spcAft>
+                <a:spcPct val="0"/>
+              </a:spcAft>
+              <a:buFont typeface="Arial" pitchFamily="34" charset="0"/>
+              <a:defRPr sz="1600" kern="1200">
+                <a:solidFill>
+                  <a:schemeClr val="tx1"/>
+                </a:solidFill>
+                <a:latin typeface="Trebuchet MS"/>
+                <a:ea typeface="Trebuchet MS" pitchFamily="34" charset="0"/>
+                <a:cs typeface="Trebuchet MS"/>
+              </a:defRPr>
+            </a:lvl3pPr>
+            <a:lvl4pPr marL="1600200" indent="-228600" algn="l" defTabSz="457200" rtl="0" eaLnBrk="0" fontAlgn="base" hangingPunct="0">
+              <a:spcBef>
+                <a:spcPct val="20000"/>
+              </a:spcBef>
+              <a:spcAft>
+                <a:spcPct val="0"/>
+              </a:spcAft>
+              <a:buFont typeface="Arial" pitchFamily="34" charset="0"/>
+              <a:defRPr sz="1600" kern="1200">
+                <a:solidFill>
+                  <a:schemeClr val="tx1"/>
+                </a:solidFill>
+                <a:latin typeface="Trebuchet MS"/>
+                <a:ea typeface="Trebuchet MS" pitchFamily="34" charset="0"/>
+                <a:cs typeface="Trebuchet MS"/>
+              </a:defRPr>
+            </a:lvl4pPr>
+            <a:lvl5pPr marL="2057400" indent="-228600" algn="l" defTabSz="457200" rtl="0" eaLnBrk="0" fontAlgn="base" hangingPunct="0">
+              <a:spcBef>
+                <a:spcPct val="20000"/>
+              </a:spcBef>
+              <a:spcAft>
+                <a:spcPct val="0"/>
+              </a:spcAft>
+              <a:buFont typeface="Arial" pitchFamily="34" charset="0"/>
+              <a:defRPr sz="1600" kern="1200">
+                <a:solidFill>
+                  <a:schemeClr val="tx1"/>
+                </a:solidFill>
+                <a:latin typeface="Trebuchet MS"/>
+                <a:ea typeface="Trebuchet MS" pitchFamily="34" charset="0"/>
+                <a:cs typeface="Trebuchet MS"/>
+              </a:defRPr>
+            </a:lvl5pPr>
+            <a:lvl6pPr marL="2514600" indent="-228600" algn="l" defTabSz="457200" rtl="0" eaLnBrk="1" latinLnBrk="0" hangingPunct="1">
+              <a:spcBef>
+                <a:spcPct val="20000"/>
+              </a:spcBef>
+              <a:buFont typeface="Arial"/>
+              <a:buChar char="•"/>
+              <a:defRPr sz="2000" kern="1200">
+                <a:solidFill>
+                  <a:schemeClr val="tx1"/>
+                </a:solidFill>
+                <a:latin typeface="+mn-lt"/>
+                <a:ea typeface="+mn-ea"/>
+                <a:cs typeface="+mn-cs"/>
+              </a:defRPr>
+            </a:lvl6pPr>
+            <a:lvl7pPr marL="2971800" indent="-228600" algn="l" defTabSz="457200" rtl="0" eaLnBrk="1" latinLnBrk="0" hangingPunct="1">
+              <a:spcBef>
+                <a:spcPct val="20000"/>
+              </a:spcBef>
+              <a:buFont typeface="Arial"/>
+              <a:buChar char="•"/>
+              <a:defRPr sz="2000" kern="1200">
+                <a:solidFill>
+                  <a:schemeClr val="tx1"/>
+                </a:solidFill>
+                <a:latin typeface="+mn-lt"/>
+                <a:ea typeface="+mn-ea"/>
+                <a:cs typeface="+mn-cs"/>
+              </a:defRPr>
+            </a:lvl7pPr>
+            <a:lvl8pPr marL="3429000" indent="-228600" algn="l" defTabSz="457200" rtl="0" eaLnBrk="1" latinLnBrk="0" hangingPunct="1">
+              <a:spcBef>
+                <a:spcPct val="20000"/>
+              </a:spcBef>
+              <a:buFont typeface="Arial"/>
+              <a:buChar char="•"/>
+              <a:defRPr sz="2000" kern="1200">
+                <a:solidFill>
+                  <a:schemeClr val="tx1"/>
+                </a:solidFill>
+                <a:latin typeface="+mn-lt"/>
+                <a:ea typeface="+mn-ea"/>
+                <a:cs typeface="+mn-cs"/>
+              </a:defRPr>
+            </a:lvl8pPr>
+            <a:lvl9pPr marL="3886200" indent="-228600" algn="l" defTabSz="457200" rtl="0" eaLnBrk="1" latinLnBrk="0" hangingPunct="1">
+              <a:spcBef>
+                <a:spcPct val="20000"/>
+              </a:spcBef>
+              <a:buFont typeface="Arial"/>
+              <a:buChar char="•"/>
+              <a:defRPr sz="2000" kern="1200">
+                <a:solidFill>
+                  <a:schemeClr val="tx1"/>
+                </a:solidFill>
+                <a:latin typeface="+mn-lt"/>
+                <a:ea typeface="+mn-ea"/>
+                <a:cs typeface="+mn-cs"/>
+              </a:defRPr>
+            </a:lvl9pPr>
+          </a:lstStyle>
+          <a:p>
+            <a:pPr marL="0" indent="0"/>
+            <a:r>
+              <a:rPr lang="de-AT" dirty="0" smtClean="0">
+                <a:latin typeface="Agency FB" panose="020B0503020202020204" pitchFamily="34" charset="0"/>
+                <a:ea typeface="TitilliumMaps29L 1 wt"/>
+              </a:rPr>
+              <a:t>user : decho.D</a:t>
+            </a:r>
+            <a:endParaRPr lang="de-AT" dirty="0">
+              <a:latin typeface="Agency FB" panose="020B0503020202020204" pitchFamily="34" charset="0"/>
+              <a:ea typeface="TitilliumMaps29L 1 wt"/>
+            </a:endParaRPr>
+          </a:p>
+        </p:txBody>
+      </p:sp>
+      <p:sp>
+        <p:nvSpPr>
+          <p:cNvPr id="16" name="Textplatzhalter 4"/>
+          <p:cNvSpPr txBox="1">
+            <a:spLocks/>
+          </p:cNvSpPr>
+          <p:nvPr/>
+        </p:nvSpPr>
+        <p:spPr bwMode="auto">
+          <a:xfrm>
+            <a:off x="2090069" y="4842292"/>
+            <a:ext cx="3254829" cy="979942"/>
+          </a:xfrm>
+          <a:prstGeom prst="rect">
+            <a:avLst/>
+          </a:prstGeom>
+          <a:noFill/>
+          <a:ln w="9525">
+            <a:noFill/>
+            <a:miter lim="800000"/>
+            <a:headEnd/>
+            <a:tailEnd/>
+          </a:ln>
+        </p:spPr>
+        <p:txBody>
+          <a:bodyPr vert="horz" wrap="square" lIns="91440" tIns="45720" rIns="91440" bIns="45720" numCol="1" anchor="t" anchorCtr="0" compatLnSpc="1">
+            <a:prstTxWarp prst="textNoShape">
+              <a:avLst/>
+            </a:prstTxWarp>
+            <a:noAutofit/>
+          </a:bodyPr>
+          <a:lstStyle>
+            <a:lvl1pPr marL="342900" indent="-342900" algn="l" defTabSz="457200" rtl="0" eaLnBrk="0" fontAlgn="base" hangingPunct="0">
+              <a:spcBef>
+                <a:spcPct val="20000"/>
+              </a:spcBef>
+              <a:spcAft>
+                <a:spcPct val="0"/>
+              </a:spcAft>
+              <a:buFont typeface="Arial" pitchFamily="34" charset="0"/>
+              <a:buNone/>
+              <a:defRPr lang="en-US" sz="2400" b="0" kern="1200" baseline="0" smtClean="0">
+                <a:solidFill>
+                  <a:schemeClr val="bg1"/>
+                </a:solidFill>
+                <a:latin typeface="TitilliumMaps29L 1 wt"/>
+                <a:ea typeface="Trebuchet MS" pitchFamily="34" charset="0"/>
+                <a:cs typeface="TitilliumMaps29L 1 wt"/>
+              </a:defRPr>
+            </a:lvl1pPr>
+            <a:lvl2pPr marL="742950" indent="-285750" algn="l" defTabSz="457200" rtl="0" eaLnBrk="0" fontAlgn="base" hangingPunct="0">
+              <a:spcBef>
+                <a:spcPct val="20000"/>
+              </a:spcBef>
+              <a:spcAft>
+                <a:spcPct val="0"/>
+              </a:spcAft>
+              <a:buFont typeface="Arial" pitchFamily="34" charset="0"/>
+              <a:defRPr sz="1600" kern="1200">
+                <a:solidFill>
+                  <a:schemeClr val="tx1"/>
+                </a:solidFill>
+                <a:latin typeface="Trebuchet MS"/>
+                <a:ea typeface="Trebuchet MS" pitchFamily="34" charset="0"/>
+                <a:cs typeface="Trebuchet MS"/>
+              </a:defRPr>
+            </a:lvl2pPr>
+            <a:lvl3pPr marL="1143000" indent="-228600" algn="l" defTabSz="457200" rtl="0" eaLnBrk="0" fontAlgn="base" hangingPunct="0">
+              <a:spcBef>
+                <a:spcPct val="20000"/>
+              </a:spcBef>
+              <a:spcAft>
+                <a:spcPct val="0"/>
+              </a:spcAft>
+              <a:buFont typeface="Arial" pitchFamily="34" charset="0"/>
+              <a:defRPr sz="1600" kern="1200">
+                <a:solidFill>
+                  <a:schemeClr val="tx1"/>
+                </a:solidFill>
+                <a:latin typeface="Trebuchet MS"/>
+                <a:ea typeface="Trebuchet MS" pitchFamily="34" charset="0"/>
+                <a:cs typeface="Trebuchet MS"/>
+              </a:defRPr>
+            </a:lvl3pPr>
+            <a:lvl4pPr marL="1600200" indent="-228600" algn="l" defTabSz="457200" rtl="0" eaLnBrk="0" fontAlgn="base" hangingPunct="0">
+              <a:spcBef>
+                <a:spcPct val="20000"/>
+              </a:spcBef>
+              <a:spcAft>
+                <a:spcPct val="0"/>
+              </a:spcAft>
+              <a:buFont typeface="Arial" pitchFamily="34" charset="0"/>
+              <a:defRPr sz="1600" kern="1200">
+                <a:solidFill>
+                  <a:schemeClr val="tx1"/>
+                </a:solidFill>
+                <a:latin typeface="Trebuchet MS"/>
+                <a:ea typeface="Trebuchet MS" pitchFamily="34" charset="0"/>
+                <a:cs typeface="Trebuchet MS"/>
+              </a:defRPr>
+            </a:lvl4pPr>
+            <a:lvl5pPr marL="2057400" indent="-228600" algn="l" defTabSz="457200" rtl="0" eaLnBrk="0" fontAlgn="base" hangingPunct="0">
+              <a:spcBef>
+                <a:spcPct val="20000"/>
+              </a:spcBef>
+              <a:spcAft>
+                <a:spcPct val="0"/>
+              </a:spcAft>
+              <a:buFont typeface="Arial" pitchFamily="34" charset="0"/>
+              <a:defRPr sz="1600" kern="1200">
+                <a:solidFill>
+                  <a:schemeClr val="tx1"/>
+                </a:solidFill>
+                <a:latin typeface="Trebuchet MS"/>
+                <a:ea typeface="Trebuchet MS" pitchFamily="34" charset="0"/>
+                <a:cs typeface="Trebuchet MS"/>
+              </a:defRPr>
+            </a:lvl5pPr>
+            <a:lvl6pPr marL="2514600" indent="-228600" algn="l" defTabSz="457200" rtl="0" eaLnBrk="1" latinLnBrk="0" hangingPunct="1">
+              <a:spcBef>
+                <a:spcPct val="20000"/>
+              </a:spcBef>
+              <a:buFont typeface="Arial"/>
+              <a:buChar char="•"/>
+              <a:defRPr sz="2000" kern="1200">
+                <a:solidFill>
+                  <a:schemeClr val="tx1"/>
+                </a:solidFill>
+                <a:latin typeface="+mn-lt"/>
+                <a:ea typeface="+mn-ea"/>
+                <a:cs typeface="+mn-cs"/>
+              </a:defRPr>
+            </a:lvl6pPr>
+            <a:lvl7pPr marL="2971800" indent="-228600" algn="l" defTabSz="457200" rtl="0" eaLnBrk="1" latinLnBrk="0" hangingPunct="1">
+              <a:spcBef>
+                <a:spcPct val="20000"/>
+              </a:spcBef>
+              <a:buFont typeface="Arial"/>
+              <a:buChar char="•"/>
+              <a:defRPr sz="2000" kern="1200">
+                <a:solidFill>
+                  <a:schemeClr val="tx1"/>
+                </a:solidFill>
+                <a:latin typeface="+mn-lt"/>
+                <a:ea typeface="+mn-ea"/>
+                <a:cs typeface="+mn-cs"/>
+              </a:defRPr>
+            </a:lvl7pPr>
+            <a:lvl8pPr marL="3429000" indent="-228600" algn="l" defTabSz="457200" rtl="0" eaLnBrk="1" latinLnBrk="0" hangingPunct="1">
+              <a:spcBef>
+                <a:spcPct val="20000"/>
+              </a:spcBef>
+              <a:buFont typeface="Arial"/>
+              <a:buChar char="•"/>
+              <a:defRPr sz="2000" kern="1200">
+                <a:solidFill>
+                  <a:schemeClr val="tx1"/>
+                </a:solidFill>
+                <a:latin typeface="+mn-lt"/>
+                <a:ea typeface="+mn-ea"/>
+                <a:cs typeface="+mn-cs"/>
+              </a:defRPr>
+            </a:lvl8pPr>
+            <a:lvl9pPr marL="3886200" indent="-228600" algn="l" defTabSz="457200" rtl="0" eaLnBrk="1" latinLnBrk="0" hangingPunct="1">
+              <a:spcBef>
+                <a:spcPct val="20000"/>
+              </a:spcBef>
+              <a:buFont typeface="Arial"/>
+              <a:buChar char="•"/>
+              <a:defRPr sz="2000" kern="1200">
+                <a:solidFill>
+                  <a:schemeClr val="tx1"/>
+                </a:solidFill>
+                <a:latin typeface="+mn-lt"/>
+                <a:ea typeface="+mn-ea"/>
+                <a:cs typeface="+mn-cs"/>
+              </a:defRPr>
+            </a:lvl9pPr>
+          </a:lstStyle>
+          <a:p>
+            <a:pPr marL="0" indent="0"/>
+            <a:r>
+              <a:rPr lang="de-AT" dirty="0" smtClean="0">
+                <a:latin typeface="Agency FB" panose="020B0503020202020204" pitchFamily="34" charset="0"/>
+                <a:ea typeface="TitilliumMaps29L 1 wt"/>
+              </a:rPr>
+              <a:t>user : borisov.kiril760</a:t>
+            </a:r>
+            <a:endParaRPr lang="de-AT" dirty="0">
+              <a:latin typeface="Agency FB" panose="020B0503020202020204" pitchFamily="34" charset="0"/>
+              <a:ea typeface="TitilliumMaps29L 1 wt"/>
+            </a:endParaRPr>
+          </a:p>
+        </p:txBody>
+      </p:sp>
+      <p:sp>
+        <p:nvSpPr>
+          <p:cNvPr id="17" name="Textplatzhalter 4"/>
+          <p:cNvSpPr txBox="1">
+            <a:spLocks/>
+          </p:cNvSpPr>
+          <p:nvPr/>
+        </p:nvSpPr>
+        <p:spPr bwMode="auto">
+          <a:xfrm>
+            <a:off x="2090067" y="5321263"/>
+            <a:ext cx="3254829" cy="446326"/>
+          </a:xfrm>
+          <a:prstGeom prst="rect">
+            <a:avLst/>
+          </a:prstGeom>
+          <a:noFill/>
+          <a:ln w="9525">
+            <a:noFill/>
+            <a:miter lim="800000"/>
+            <a:headEnd/>
+            <a:tailEnd/>
+          </a:ln>
+        </p:spPr>
+        <p:txBody>
+          <a:bodyPr vert="horz" wrap="square" lIns="91440" tIns="45720" rIns="91440" bIns="45720" numCol="1" anchor="t" anchorCtr="0" compatLnSpc="1">
+            <a:prstTxWarp prst="textNoShape">
+              <a:avLst/>
+            </a:prstTxWarp>
+            <a:noAutofit/>
+          </a:bodyPr>
+          <a:lstStyle>
+            <a:lvl1pPr marL="342900" indent="-342900" algn="l" defTabSz="457200" rtl="0" eaLnBrk="0" fontAlgn="base" hangingPunct="0">
+              <a:spcBef>
+                <a:spcPct val="20000"/>
+              </a:spcBef>
+              <a:spcAft>
+                <a:spcPct val="0"/>
+              </a:spcAft>
+              <a:buFont typeface="Arial" pitchFamily="34" charset="0"/>
+              <a:buNone/>
+              <a:defRPr lang="en-US" sz="2400" b="0" kern="1200" baseline="0" smtClean="0">
+                <a:solidFill>
+                  <a:schemeClr val="bg1"/>
+                </a:solidFill>
+                <a:latin typeface="TitilliumMaps29L 1 wt"/>
+                <a:ea typeface="Trebuchet MS" pitchFamily="34" charset="0"/>
+                <a:cs typeface="TitilliumMaps29L 1 wt"/>
+              </a:defRPr>
+            </a:lvl1pPr>
+            <a:lvl2pPr marL="742950" indent="-285750" algn="l" defTabSz="457200" rtl="0" eaLnBrk="0" fontAlgn="base" hangingPunct="0">
+              <a:spcBef>
+                <a:spcPct val="20000"/>
+              </a:spcBef>
+              <a:spcAft>
+                <a:spcPct val="0"/>
+              </a:spcAft>
+              <a:buFont typeface="Arial" pitchFamily="34" charset="0"/>
+              <a:defRPr sz="1600" kern="1200">
+                <a:solidFill>
+                  <a:schemeClr val="tx1"/>
+                </a:solidFill>
+                <a:latin typeface="Trebuchet MS"/>
+                <a:ea typeface="Trebuchet MS" pitchFamily="34" charset="0"/>
+                <a:cs typeface="Trebuchet MS"/>
+              </a:defRPr>
+            </a:lvl2pPr>
+            <a:lvl3pPr marL="1143000" indent="-228600" algn="l" defTabSz="457200" rtl="0" eaLnBrk="0" fontAlgn="base" hangingPunct="0">
+              <a:spcBef>
+                <a:spcPct val="20000"/>
+              </a:spcBef>
+              <a:spcAft>
+                <a:spcPct val="0"/>
+              </a:spcAft>
+              <a:buFont typeface="Arial" pitchFamily="34" charset="0"/>
+              <a:defRPr sz="1600" kern="1200">
+                <a:solidFill>
+                  <a:schemeClr val="tx1"/>
+                </a:solidFill>
+                <a:latin typeface="Trebuchet MS"/>
+                <a:ea typeface="Trebuchet MS" pitchFamily="34" charset="0"/>
+                <a:cs typeface="Trebuchet MS"/>
+              </a:defRPr>
+            </a:lvl3pPr>
+            <a:lvl4pPr marL="1600200" indent="-228600" algn="l" defTabSz="457200" rtl="0" eaLnBrk="0" fontAlgn="base" hangingPunct="0">
+              <a:spcBef>
+                <a:spcPct val="20000"/>
+              </a:spcBef>
+              <a:spcAft>
+                <a:spcPct val="0"/>
+              </a:spcAft>
+              <a:buFont typeface="Arial" pitchFamily="34" charset="0"/>
+              <a:defRPr sz="1600" kern="1200">
+                <a:solidFill>
+                  <a:schemeClr val="tx1"/>
+                </a:solidFill>
+                <a:latin typeface="Trebuchet MS"/>
+                <a:ea typeface="Trebuchet MS" pitchFamily="34" charset="0"/>
+                <a:cs typeface="Trebuchet MS"/>
+              </a:defRPr>
+            </a:lvl4pPr>
+            <a:lvl5pPr marL="2057400" indent="-228600" algn="l" defTabSz="457200" rtl="0" eaLnBrk="0" fontAlgn="base" hangingPunct="0">
+              <a:spcBef>
+                <a:spcPct val="20000"/>
+              </a:spcBef>
+              <a:spcAft>
+                <a:spcPct val="0"/>
+              </a:spcAft>
+              <a:buFont typeface="Arial" pitchFamily="34" charset="0"/>
+              <a:defRPr sz="1600" kern="1200">
+                <a:solidFill>
+                  <a:schemeClr val="tx1"/>
+                </a:solidFill>
+                <a:latin typeface="Trebuchet MS"/>
+                <a:ea typeface="Trebuchet MS" pitchFamily="34" charset="0"/>
+                <a:cs typeface="Trebuchet MS"/>
+              </a:defRPr>
+            </a:lvl5pPr>
+            <a:lvl6pPr marL="2514600" indent="-228600" algn="l" defTabSz="457200" rtl="0" eaLnBrk="1" latinLnBrk="0" hangingPunct="1">
+              <a:spcBef>
+                <a:spcPct val="20000"/>
+              </a:spcBef>
+              <a:buFont typeface="Arial"/>
+              <a:buChar char="•"/>
+              <a:defRPr sz="2000" kern="1200">
+                <a:solidFill>
+                  <a:schemeClr val="tx1"/>
+                </a:solidFill>
+                <a:latin typeface="+mn-lt"/>
+                <a:ea typeface="+mn-ea"/>
+                <a:cs typeface="+mn-cs"/>
+              </a:defRPr>
+            </a:lvl6pPr>
+            <a:lvl7pPr marL="2971800" indent="-228600" algn="l" defTabSz="457200" rtl="0" eaLnBrk="1" latinLnBrk="0" hangingPunct="1">
+              <a:spcBef>
+                <a:spcPct val="20000"/>
+              </a:spcBef>
+              <a:buFont typeface="Arial"/>
+              <a:buChar char="•"/>
+              <a:defRPr sz="2000" kern="1200">
+                <a:solidFill>
+                  <a:schemeClr val="tx1"/>
+                </a:solidFill>
+                <a:latin typeface="+mn-lt"/>
+                <a:ea typeface="+mn-ea"/>
+                <a:cs typeface="+mn-cs"/>
+              </a:defRPr>
+            </a:lvl7pPr>
+            <a:lvl8pPr marL="3429000" indent="-228600" algn="l" defTabSz="457200" rtl="0" eaLnBrk="1" latinLnBrk="0" hangingPunct="1">
+              <a:spcBef>
+                <a:spcPct val="20000"/>
+              </a:spcBef>
+              <a:buFont typeface="Arial"/>
+              <a:buChar char="•"/>
+              <a:defRPr sz="2000" kern="1200">
+                <a:solidFill>
+                  <a:schemeClr val="tx1"/>
+                </a:solidFill>
+                <a:latin typeface="+mn-lt"/>
+                <a:ea typeface="+mn-ea"/>
+                <a:cs typeface="+mn-cs"/>
+              </a:defRPr>
+            </a:lvl8pPr>
+            <a:lvl9pPr marL="3886200" indent="-228600" algn="l" defTabSz="457200" rtl="0" eaLnBrk="1" latinLnBrk="0" hangingPunct="1">
+              <a:spcBef>
+                <a:spcPct val="20000"/>
+              </a:spcBef>
+              <a:buFont typeface="Arial"/>
+              <a:buChar char="•"/>
+              <a:defRPr sz="2000" kern="1200">
+                <a:solidFill>
+                  <a:schemeClr val="tx1"/>
+                </a:solidFill>
+                <a:latin typeface="+mn-lt"/>
+                <a:ea typeface="+mn-ea"/>
+                <a:cs typeface="+mn-cs"/>
+              </a:defRPr>
+            </a:lvl9pPr>
+          </a:lstStyle>
+          <a:p>
+            <a:pPr marL="0" indent="0"/>
+            <a:r>
+              <a:rPr lang="de-AT" dirty="0" smtClean="0">
+                <a:latin typeface="Agency FB" panose="020B0503020202020204" pitchFamily="34" charset="0"/>
+                <a:ea typeface="TitilliumMaps29L 1 wt"/>
+              </a:rPr>
+              <a:t>user : ivank0900</a:t>
+            </a:r>
+            <a:endParaRPr lang="de-AT" dirty="0">
+              <a:latin typeface="Agency FB" panose="020B0503020202020204" pitchFamily="34" charset="0"/>
+              <a:ea typeface="TitilliumMaps29L 1 wt"/>
+            </a:endParaRPr>
+          </a:p>
+        </p:txBody>
+      </p:sp>
+      <p:sp>
+        <p:nvSpPr>
+          <p:cNvPr id="18" name="Textplatzhalter 4"/>
+          <p:cNvSpPr txBox="1">
+            <a:spLocks/>
+          </p:cNvSpPr>
+          <p:nvPr/>
+        </p:nvSpPr>
+        <p:spPr bwMode="auto">
+          <a:xfrm>
+            <a:off x="2090063" y="5756695"/>
+            <a:ext cx="3254829" cy="554759"/>
+          </a:xfrm>
+          <a:prstGeom prst="rect">
+            <a:avLst/>
+          </a:prstGeom>
+          <a:noFill/>
+          <a:ln w="9525">
+            <a:noFill/>
+            <a:miter lim="800000"/>
+            <a:headEnd/>
+            <a:tailEnd/>
+          </a:ln>
+        </p:spPr>
+        <p:txBody>
+          <a:bodyPr vert="horz" wrap="square" lIns="91440" tIns="45720" rIns="91440" bIns="45720" numCol="1" anchor="t" anchorCtr="0" compatLnSpc="1">
+            <a:prstTxWarp prst="textNoShape">
+              <a:avLst/>
+            </a:prstTxWarp>
+            <a:noAutofit/>
+          </a:bodyPr>
+          <a:lstStyle>
+            <a:lvl1pPr marL="342900" indent="-342900" algn="l" defTabSz="457200" rtl="0" eaLnBrk="0" fontAlgn="base" hangingPunct="0">
+              <a:spcBef>
+                <a:spcPct val="20000"/>
+              </a:spcBef>
+              <a:spcAft>
+                <a:spcPct val="0"/>
+              </a:spcAft>
+              <a:buFont typeface="Arial" pitchFamily="34" charset="0"/>
+              <a:buNone/>
+              <a:defRPr lang="en-US" sz="2400" b="0" kern="1200" baseline="0" smtClean="0">
+                <a:solidFill>
+                  <a:schemeClr val="bg1"/>
+                </a:solidFill>
+                <a:latin typeface="TitilliumMaps29L 1 wt"/>
+                <a:ea typeface="Trebuchet MS" pitchFamily="34" charset="0"/>
+                <a:cs typeface="TitilliumMaps29L 1 wt"/>
+              </a:defRPr>
+            </a:lvl1pPr>
+            <a:lvl2pPr marL="742950" indent="-285750" algn="l" defTabSz="457200" rtl="0" eaLnBrk="0" fontAlgn="base" hangingPunct="0">
+              <a:spcBef>
+                <a:spcPct val="20000"/>
+              </a:spcBef>
+              <a:spcAft>
+                <a:spcPct val="0"/>
+              </a:spcAft>
+              <a:buFont typeface="Arial" pitchFamily="34" charset="0"/>
+              <a:defRPr sz="1600" kern="1200">
+                <a:solidFill>
+                  <a:schemeClr val="tx1"/>
+                </a:solidFill>
+                <a:latin typeface="Trebuchet MS"/>
+                <a:ea typeface="Trebuchet MS" pitchFamily="34" charset="0"/>
+                <a:cs typeface="Trebuchet MS"/>
+              </a:defRPr>
+            </a:lvl2pPr>
+            <a:lvl3pPr marL="1143000" indent="-228600" algn="l" defTabSz="457200" rtl="0" eaLnBrk="0" fontAlgn="base" hangingPunct="0">
+              <a:spcBef>
+                <a:spcPct val="20000"/>
+              </a:spcBef>
+              <a:spcAft>
+                <a:spcPct val="0"/>
+              </a:spcAft>
+              <a:buFont typeface="Arial" pitchFamily="34" charset="0"/>
+              <a:defRPr sz="1600" kern="1200">
+                <a:solidFill>
+                  <a:schemeClr val="tx1"/>
+                </a:solidFill>
+                <a:latin typeface="Trebuchet MS"/>
+                <a:ea typeface="Trebuchet MS" pitchFamily="34" charset="0"/>
+                <a:cs typeface="Trebuchet MS"/>
+              </a:defRPr>
+            </a:lvl3pPr>
+            <a:lvl4pPr marL="1600200" indent="-228600" algn="l" defTabSz="457200" rtl="0" eaLnBrk="0" fontAlgn="base" hangingPunct="0">
+              <a:spcBef>
+                <a:spcPct val="20000"/>
+              </a:spcBef>
+              <a:spcAft>
+                <a:spcPct val="0"/>
+              </a:spcAft>
+              <a:buFont typeface="Arial" pitchFamily="34" charset="0"/>
+              <a:defRPr sz="1600" kern="1200">
+                <a:solidFill>
+                  <a:schemeClr val="tx1"/>
+                </a:solidFill>
+                <a:latin typeface="Trebuchet MS"/>
+                <a:ea typeface="Trebuchet MS" pitchFamily="34" charset="0"/>
+                <a:cs typeface="Trebuchet MS"/>
+              </a:defRPr>
+            </a:lvl4pPr>
+            <a:lvl5pPr marL="2057400" indent="-228600" algn="l" defTabSz="457200" rtl="0" eaLnBrk="0" fontAlgn="base" hangingPunct="0">
+              <a:spcBef>
+                <a:spcPct val="20000"/>
+              </a:spcBef>
+              <a:spcAft>
+                <a:spcPct val="0"/>
+              </a:spcAft>
+              <a:buFont typeface="Arial" pitchFamily="34" charset="0"/>
+              <a:defRPr sz="1600" kern="1200">
+                <a:solidFill>
+                  <a:schemeClr val="tx1"/>
+                </a:solidFill>
+                <a:latin typeface="Trebuchet MS"/>
+                <a:ea typeface="Trebuchet MS" pitchFamily="34" charset="0"/>
+                <a:cs typeface="Trebuchet MS"/>
+              </a:defRPr>
+            </a:lvl5pPr>
+            <a:lvl6pPr marL="2514600" indent="-228600" algn="l" defTabSz="457200" rtl="0" eaLnBrk="1" latinLnBrk="0" hangingPunct="1">
+              <a:spcBef>
+                <a:spcPct val="20000"/>
+              </a:spcBef>
+              <a:buFont typeface="Arial"/>
+              <a:buChar char="•"/>
+              <a:defRPr sz="2000" kern="1200">
+                <a:solidFill>
+                  <a:schemeClr val="tx1"/>
+                </a:solidFill>
+                <a:latin typeface="+mn-lt"/>
+                <a:ea typeface="+mn-ea"/>
+                <a:cs typeface="+mn-cs"/>
+              </a:defRPr>
+            </a:lvl6pPr>
+            <a:lvl7pPr marL="2971800" indent="-228600" algn="l" defTabSz="457200" rtl="0" eaLnBrk="1" latinLnBrk="0" hangingPunct="1">
+              <a:spcBef>
+                <a:spcPct val="20000"/>
+              </a:spcBef>
+              <a:buFont typeface="Arial"/>
+              <a:buChar char="•"/>
+              <a:defRPr sz="2000" kern="1200">
+                <a:solidFill>
+                  <a:schemeClr val="tx1"/>
+                </a:solidFill>
+                <a:latin typeface="+mn-lt"/>
+                <a:ea typeface="+mn-ea"/>
+                <a:cs typeface="+mn-cs"/>
+              </a:defRPr>
+            </a:lvl7pPr>
+            <a:lvl8pPr marL="3429000" indent="-228600" algn="l" defTabSz="457200" rtl="0" eaLnBrk="1" latinLnBrk="0" hangingPunct="1">
+              <a:spcBef>
+                <a:spcPct val="20000"/>
+              </a:spcBef>
+              <a:buFont typeface="Arial"/>
+              <a:buChar char="•"/>
+              <a:defRPr sz="2000" kern="1200">
+                <a:solidFill>
+                  <a:schemeClr val="tx1"/>
+                </a:solidFill>
+                <a:latin typeface="+mn-lt"/>
+                <a:ea typeface="+mn-ea"/>
+                <a:cs typeface="+mn-cs"/>
+              </a:defRPr>
+            </a:lvl8pPr>
+            <a:lvl9pPr marL="3886200" indent="-228600" algn="l" defTabSz="457200" rtl="0" eaLnBrk="1" latinLnBrk="0" hangingPunct="1">
+              <a:spcBef>
+                <a:spcPct val="20000"/>
+              </a:spcBef>
+              <a:buFont typeface="Arial"/>
+              <a:buChar char="•"/>
+              <a:defRPr sz="2000" kern="1200">
+                <a:solidFill>
+                  <a:schemeClr val="tx1"/>
+                </a:solidFill>
+                <a:latin typeface="+mn-lt"/>
+                <a:ea typeface="+mn-ea"/>
+                <a:cs typeface="+mn-cs"/>
+              </a:defRPr>
+            </a:lvl9pPr>
+          </a:lstStyle>
+          <a:p>
+            <a:pPr marL="0" indent="0"/>
+            <a:r>
+              <a:rPr lang="de-AT" dirty="0" smtClean="0">
+                <a:latin typeface="Agency FB" panose="020B0503020202020204" pitchFamily="34" charset="0"/>
+                <a:ea typeface="TitilliumMaps29L 1 wt"/>
+              </a:rPr>
+              <a:t>user : Kambocha</a:t>
+            </a:r>
+            <a:endParaRPr lang="de-AT" dirty="0">
+              <a:latin typeface="Agency FB" panose="020B0503020202020204" pitchFamily="34" charset="0"/>
+              <a:ea typeface="TitilliumMaps29L 1 wt"/>
+            </a:endParaRPr>
+          </a:p>
+        </p:txBody>
+      </p:sp>
+      <p:sp>
+        <p:nvSpPr>
+          <p:cNvPr id="19" name="Textplatzhalter 4"/>
+          <p:cNvSpPr txBox="1">
+            <a:spLocks/>
+          </p:cNvSpPr>
+          <p:nvPr/>
+        </p:nvSpPr>
+        <p:spPr bwMode="auto">
+          <a:xfrm>
+            <a:off x="2090060" y="6192127"/>
+            <a:ext cx="2155370" cy="513640"/>
+          </a:xfrm>
+          <a:prstGeom prst="rect">
+            <a:avLst/>
+          </a:prstGeom>
+          <a:noFill/>
+          <a:ln w="9525">
+            <a:noFill/>
+            <a:miter lim="800000"/>
+            <a:headEnd/>
+            <a:tailEnd/>
+          </a:ln>
+        </p:spPr>
+        <p:txBody>
+          <a:bodyPr vert="horz" wrap="square" lIns="91440" tIns="45720" rIns="91440" bIns="45720" numCol="1" anchor="t" anchorCtr="0" compatLnSpc="1">
+            <a:prstTxWarp prst="textNoShape">
+              <a:avLst/>
+            </a:prstTxWarp>
+            <a:noAutofit/>
+          </a:bodyPr>
+          <a:lstStyle>
+            <a:lvl1pPr marL="342900" indent="-342900" algn="l" defTabSz="457200" rtl="0" eaLnBrk="0" fontAlgn="base" hangingPunct="0">
+              <a:spcBef>
+                <a:spcPct val="20000"/>
+              </a:spcBef>
+              <a:spcAft>
+                <a:spcPct val="0"/>
+              </a:spcAft>
+              <a:buFont typeface="Arial" pitchFamily="34" charset="0"/>
+              <a:buNone/>
+              <a:defRPr lang="en-US" sz="2400" b="0" kern="1200" baseline="0" smtClean="0">
+                <a:solidFill>
+                  <a:schemeClr val="bg1"/>
+                </a:solidFill>
+                <a:latin typeface="TitilliumMaps29L 1 wt"/>
+                <a:ea typeface="Trebuchet MS" pitchFamily="34" charset="0"/>
+                <a:cs typeface="TitilliumMaps29L 1 wt"/>
+              </a:defRPr>
+            </a:lvl1pPr>
+            <a:lvl2pPr marL="742950" indent="-285750" algn="l" defTabSz="457200" rtl="0" eaLnBrk="0" fontAlgn="base" hangingPunct="0">
+              <a:spcBef>
+                <a:spcPct val="20000"/>
+              </a:spcBef>
+              <a:spcAft>
+                <a:spcPct val="0"/>
+              </a:spcAft>
+              <a:buFont typeface="Arial" pitchFamily="34" charset="0"/>
+              <a:defRPr sz="1600" kern="1200">
+                <a:solidFill>
+                  <a:schemeClr val="tx1"/>
+                </a:solidFill>
+                <a:latin typeface="Trebuchet MS"/>
+                <a:ea typeface="Trebuchet MS" pitchFamily="34" charset="0"/>
+                <a:cs typeface="Trebuchet MS"/>
+              </a:defRPr>
+            </a:lvl2pPr>
+            <a:lvl3pPr marL="1143000" indent="-228600" algn="l" defTabSz="457200" rtl="0" eaLnBrk="0" fontAlgn="base" hangingPunct="0">
+              <a:spcBef>
+                <a:spcPct val="20000"/>
+              </a:spcBef>
+              <a:spcAft>
+                <a:spcPct val="0"/>
+              </a:spcAft>
+              <a:buFont typeface="Arial" pitchFamily="34" charset="0"/>
+              <a:defRPr sz="1600" kern="1200">
+                <a:solidFill>
+                  <a:schemeClr val="tx1"/>
+                </a:solidFill>
+                <a:latin typeface="Trebuchet MS"/>
+                <a:ea typeface="Trebuchet MS" pitchFamily="34" charset="0"/>
+                <a:cs typeface="Trebuchet MS"/>
+              </a:defRPr>
+            </a:lvl3pPr>
+            <a:lvl4pPr marL="1600200" indent="-228600" algn="l" defTabSz="457200" rtl="0" eaLnBrk="0" fontAlgn="base" hangingPunct="0">
+              <a:spcBef>
+                <a:spcPct val="20000"/>
+              </a:spcBef>
+              <a:spcAft>
+                <a:spcPct val="0"/>
+              </a:spcAft>
+              <a:buFont typeface="Arial" pitchFamily="34" charset="0"/>
+              <a:defRPr sz="1600" kern="1200">
+                <a:solidFill>
+                  <a:schemeClr val="tx1"/>
+                </a:solidFill>
+                <a:latin typeface="Trebuchet MS"/>
+                <a:ea typeface="Trebuchet MS" pitchFamily="34" charset="0"/>
+                <a:cs typeface="Trebuchet MS"/>
+              </a:defRPr>
+            </a:lvl4pPr>
+            <a:lvl5pPr marL="2057400" indent="-228600" algn="l" defTabSz="457200" rtl="0" eaLnBrk="0" fontAlgn="base" hangingPunct="0">
+              <a:spcBef>
+                <a:spcPct val="20000"/>
+              </a:spcBef>
+              <a:spcAft>
+                <a:spcPct val="0"/>
+              </a:spcAft>
+              <a:buFont typeface="Arial" pitchFamily="34" charset="0"/>
+              <a:defRPr sz="1600" kern="1200">
+                <a:solidFill>
+                  <a:schemeClr val="tx1"/>
+                </a:solidFill>
+                <a:latin typeface="Trebuchet MS"/>
+                <a:ea typeface="Trebuchet MS" pitchFamily="34" charset="0"/>
+                <a:cs typeface="Trebuchet MS"/>
+              </a:defRPr>
+            </a:lvl5pPr>
+            <a:lvl6pPr marL="2514600" indent="-228600" algn="l" defTabSz="457200" rtl="0" eaLnBrk="1" latinLnBrk="0" hangingPunct="1">
+              <a:spcBef>
+                <a:spcPct val="20000"/>
+              </a:spcBef>
+              <a:buFont typeface="Arial"/>
+              <a:buChar char="•"/>
+              <a:defRPr sz="2000" kern="1200">
+                <a:solidFill>
+                  <a:schemeClr val="tx1"/>
+                </a:solidFill>
+                <a:latin typeface="+mn-lt"/>
+                <a:ea typeface="+mn-ea"/>
+                <a:cs typeface="+mn-cs"/>
+              </a:defRPr>
+            </a:lvl6pPr>
+            <a:lvl7pPr marL="2971800" indent="-228600" algn="l" defTabSz="457200" rtl="0" eaLnBrk="1" latinLnBrk="0" hangingPunct="1">
+              <a:spcBef>
+                <a:spcPct val="20000"/>
+              </a:spcBef>
+              <a:buFont typeface="Arial"/>
+              <a:buChar char="•"/>
+              <a:defRPr sz="2000" kern="1200">
+                <a:solidFill>
+                  <a:schemeClr val="tx1"/>
+                </a:solidFill>
+                <a:latin typeface="+mn-lt"/>
+                <a:ea typeface="+mn-ea"/>
+                <a:cs typeface="+mn-cs"/>
+              </a:defRPr>
+            </a:lvl7pPr>
+            <a:lvl8pPr marL="3429000" indent="-228600" algn="l" defTabSz="457200" rtl="0" eaLnBrk="1" latinLnBrk="0" hangingPunct="1">
+              <a:spcBef>
+                <a:spcPct val="20000"/>
+              </a:spcBef>
+              <a:buFont typeface="Arial"/>
+              <a:buChar char="•"/>
+              <a:defRPr sz="2000" kern="1200">
+                <a:solidFill>
+                  <a:schemeClr val="tx1"/>
+                </a:solidFill>
+                <a:latin typeface="+mn-lt"/>
+                <a:ea typeface="+mn-ea"/>
+                <a:cs typeface="+mn-cs"/>
+              </a:defRPr>
+            </a:lvl8pPr>
+            <a:lvl9pPr marL="3886200" indent="-228600" algn="l" defTabSz="457200" rtl="0" eaLnBrk="1" latinLnBrk="0" hangingPunct="1">
+              <a:spcBef>
+                <a:spcPct val="20000"/>
+              </a:spcBef>
+              <a:buFont typeface="Arial"/>
+              <a:buChar char="•"/>
+              <a:defRPr sz="2000" kern="1200">
+                <a:solidFill>
+                  <a:schemeClr val="tx1"/>
+                </a:solidFill>
+                <a:latin typeface="+mn-lt"/>
+                <a:ea typeface="+mn-ea"/>
+                <a:cs typeface="+mn-cs"/>
+              </a:defRPr>
+            </a:lvl9pPr>
+          </a:lstStyle>
+          <a:p>
+            <a:pPr marL="0" indent="0"/>
+            <a:r>
+              <a:rPr lang="de-AT" dirty="0" smtClean="0">
+                <a:latin typeface="Agency FB" panose="020B0503020202020204" pitchFamily="34" charset="0"/>
+                <a:ea typeface="TitilliumMaps29L 1 wt"/>
+              </a:rPr>
+              <a:t>user : DobryG</a:t>
+            </a:r>
+            <a:endParaRPr lang="de-AT" dirty="0">
+              <a:latin typeface="Agency FB" panose="020B0503020202020204" pitchFamily="34" charset="0"/>
+              <a:ea typeface="TitilliumMaps29L 1 wt"/>
+            </a:endParaRPr>
+          </a:p>
+        </p:txBody>
+      </p:sp>
+      <p:sp>
+        <p:nvSpPr>
+          <p:cNvPr id="20" name="Textplatzhalter 4"/>
+          <p:cNvSpPr txBox="1">
+            <a:spLocks/>
+          </p:cNvSpPr>
+          <p:nvPr/>
+        </p:nvSpPr>
+        <p:spPr bwMode="auto">
+          <a:xfrm>
+            <a:off x="2113111" y="3350944"/>
+            <a:ext cx="3254829" cy="598938"/>
+          </a:xfrm>
+          <a:prstGeom prst="rect">
+            <a:avLst/>
+          </a:prstGeom>
+          <a:noFill/>
+          <a:ln w="9525">
+            <a:noFill/>
+            <a:miter lim="800000"/>
+            <a:headEnd/>
+            <a:tailEnd/>
+          </a:ln>
+        </p:spPr>
+        <p:txBody>
+          <a:bodyPr vert="horz" wrap="square" lIns="91440" tIns="45720" rIns="91440" bIns="45720" numCol="1" anchor="t" anchorCtr="0" compatLnSpc="1">
+            <a:prstTxWarp prst="textNoShape">
+              <a:avLst/>
+            </a:prstTxWarp>
+            <a:noAutofit/>
+          </a:bodyPr>
+          <a:lstStyle>
+            <a:lvl1pPr marL="342900" indent="-342900" algn="l" defTabSz="457200" rtl="0" eaLnBrk="0" fontAlgn="base" hangingPunct="0">
+              <a:spcBef>
+                <a:spcPct val="20000"/>
+              </a:spcBef>
+              <a:spcAft>
+                <a:spcPct val="0"/>
+              </a:spcAft>
+              <a:buFont typeface="Arial" pitchFamily="34" charset="0"/>
+              <a:buNone/>
+              <a:defRPr lang="en-US" sz="2400" b="0" kern="1200" baseline="0" smtClean="0">
+                <a:solidFill>
+                  <a:schemeClr val="bg1"/>
+                </a:solidFill>
+                <a:latin typeface="TitilliumMaps29L 1 wt"/>
+                <a:ea typeface="Trebuchet MS" pitchFamily="34" charset="0"/>
+                <a:cs typeface="TitilliumMaps29L 1 wt"/>
+              </a:defRPr>
+            </a:lvl1pPr>
+            <a:lvl2pPr marL="742950" indent="-285750" algn="l" defTabSz="457200" rtl="0" eaLnBrk="0" fontAlgn="base" hangingPunct="0">
+              <a:spcBef>
+                <a:spcPct val="20000"/>
+              </a:spcBef>
+              <a:spcAft>
+                <a:spcPct val="0"/>
+              </a:spcAft>
+              <a:buFont typeface="Arial" pitchFamily="34" charset="0"/>
+              <a:defRPr sz="1600" kern="1200">
+                <a:solidFill>
+                  <a:schemeClr val="tx1"/>
+                </a:solidFill>
+                <a:latin typeface="Trebuchet MS"/>
+                <a:ea typeface="Trebuchet MS" pitchFamily="34" charset="0"/>
+                <a:cs typeface="Trebuchet MS"/>
+              </a:defRPr>
+            </a:lvl2pPr>
+            <a:lvl3pPr marL="1143000" indent="-228600" algn="l" defTabSz="457200" rtl="0" eaLnBrk="0" fontAlgn="base" hangingPunct="0">
+              <a:spcBef>
+                <a:spcPct val="20000"/>
+              </a:spcBef>
+              <a:spcAft>
+                <a:spcPct val="0"/>
+              </a:spcAft>
+              <a:buFont typeface="Arial" pitchFamily="34" charset="0"/>
+              <a:defRPr sz="1600" kern="1200">
+                <a:solidFill>
+                  <a:schemeClr val="tx1"/>
+                </a:solidFill>
+                <a:latin typeface="Trebuchet MS"/>
+                <a:ea typeface="Trebuchet MS" pitchFamily="34" charset="0"/>
+                <a:cs typeface="Trebuchet MS"/>
+              </a:defRPr>
+            </a:lvl3pPr>
+            <a:lvl4pPr marL="1600200" indent="-228600" algn="l" defTabSz="457200" rtl="0" eaLnBrk="0" fontAlgn="base" hangingPunct="0">
+              <a:spcBef>
+                <a:spcPct val="20000"/>
+              </a:spcBef>
+              <a:spcAft>
+                <a:spcPct val="0"/>
+              </a:spcAft>
+              <a:buFont typeface="Arial" pitchFamily="34" charset="0"/>
+              <a:defRPr sz="1600" kern="1200">
+                <a:solidFill>
+                  <a:schemeClr val="tx1"/>
+                </a:solidFill>
+                <a:latin typeface="Trebuchet MS"/>
+                <a:ea typeface="Trebuchet MS" pitchFamily="34" charset="0"/>
+                <a:cs typeface="Trebuchet MS"/>
+              </a:defRPr>
+            </a:lvl4pPr>
+            <a:lvl5pPr marL="2057400" indent="-228600" algn="l" defTabSz="457200" rtl="0" eaLnBrk="0" fontAlgn="base" hangingPunct="0">
+              <a:spcBef>
+                <a:spcPct val="20000"/>
+              </a:spcBef>
+              <a:spcAft>
+                <a:spcPct val="0"/>
+              </a:spcAft>
+              <a:buFont typeface="Arial" pitchFamily="34" charset="0"/>
+              <a:defRPr sz="1600" kern="1200">
+                <a:solidFill>
+                  <a:schemeClr val="tx1"/>
+                </a:solidFill>
+                <a:latin typeface="Trebuchet MS"/>
+                <a:ea typeface="Trebuchet MS" pitchFamily="34" charset="0"/>
+                <a:cs typeface="Trebuchet MS"/>
+              </a:defRPr>
+            </a:lvl5pPr>
+            <a:lvl6pPr marL="2514600" indent="-228600" algn="l" defTabSz="457200" rtl="0" eaLnBrk="1" latinLnBrk="0" hangingPunct="1">
+              <a:spcBef>
+                <a:spcPct val="20000"/>
+              </a:spcBef>
+              <a:buFont typeface="Arial"/>
+              <a:buChar char="•"/>
+              <a:defRPr sz="2000" kern="1200">
+                <a:solidFill>
+                  <a:schemeClr val="tx1"/>
+                </a:solidFill>
+                <a:latin typeface="+mn-lt"/>
+                <a:ea typeface="+mn-ea"/>
+                <a:cs typeface="+mn-cs"/>
+              </a:defRPr>
+            </a:lvl6pPr>
+            <a:lvl7pPr marL="2971800" indent="-228600" algn="l" defTabSz="457200" rtl="0" eaLnBrk="1" latinLnBrk="0" hangingPunct="1">
+              <a:spcBef>
+                <a:spcPct val="20000"/>
+              </a:spcBef>
+              <a:buFont typeface="Arial"/>
+              <a:buChar char="•"/>
+              <a:defRPr sz="2000" kern="1200">
+                <a:solidFill>
+                  <a:schemeClr val="tx1"/>
+                </a:solidFill>
+                <a:latin typeface="+mn-lt"/>
+                <a:ea typeface="+mn-ea"/>
+                <a:cs typeface="+mn-cs"/>
+              </a:defRPr>
+            </a:lvl7pPr>
+            <a:lvl8pPr marL="3429000" indent="-228600" algn="l" defTabSz="457200" rtl="0" eaLnBrk="1" latinLnBrk="0" hangingPunct="1">
+              <a:spcBef>
+                <a:spcPct val="20000"/>
+              </a:spcBef>
+              <a:buFont typeface="Arial"/>
+              <a:buChar char="•"/>
+              <a:defRPr sz="2000" kern="1200">
+                <a:solidFill>
+                  <a:schemeClr val="tx1"/>
+                </a:solidFill>
+                <a:latin typeface="+mn-lt"/>
+                <a:ea typeface="+mn-ea"/>
+                <a:cs typeface="+mn-cs"/>
+              </a:defRPr>
+            </a:lvl8pPr>
+            <a:lvl9pPr marL="3886200" indent="-228600" algn="l" defTabSz="457200" rtl="0" eaLnBrk="1" latinLnBrk="0" hangingPunct="1">
+              <a:spcBef>
+                <a:spcPct val="20000"/>
+              </a:spcBef>
+              <a:buFont typeface="Arial"/>
+              <a:buChar char="•"/>
+              <a:defRPr sz="2000" kern="1200">
+                <a:solidFill>
+                  <a:schemeClr val="tx1"/>
+                </a:solidFill>
+                <a:latin typeface="+mn-lt"/>
+                <a:ea typeface="+mn-ea"/>
+                <a:cs typeface="+mn-cs"/>
+              </a:defRPr>
+            </a:lvl9pPr>
+          </a:lstStyle>
+          <a:p>
+            <a:pPr marL="0" indent="0"/>
+            <a:r>
+              <a:rPr lang="de-AT" dirty="0" smtClean="0">
+                <a:latin typeface="Agency FB" panose="020B0503020202020204" pitchFamily="34" charset="0"/>
+                <a:ea typeface="TitilliumMaps29L 1 wt"/>
+              </a:rPr>
+              <a:t>user : pavleta</a:t>
+            </a:r>
+            <a:endParaRPr lang="de-AT" dirty="0">
+              <a:latin typeface="Agency FB" panose="020B0503020202020204" pitchFamily="34" charset="0"/>
+              <a:ea typeface="TitilliumMaps29L 1 wt"/>
+            </a:endParaRPr>
+          </a:p>
+        </p:txBody>
+      </p:sp>
+      <p:sp>
+        <p:nvSpPr>
+          <p:cNvPr id="21" name="Textplatzhalter 4"/>
+          <p:cNvSpPr txBox="1">
+            <a:spLocks/>
+          </p:cNvSpPr>
+          <p:nvPr/>
+        </p:nvSpPr>
+        <p:spPr bwMode="auto">
+          <a:xfrm>
+            <a:off x="2123988" y="2850195"/>
+            <a:ext cx="3254829" cy="598938"/>
+          </a:xfrm>
+          <a:prstGeom prst="rect">
+            <a:avLst/>
+          </a:prstGeom>
+          <a:noFill/>
+          <a:ln w="9525">
+            <a:noFill/>
+            <a:miter lim="800000"/>
+            <a:headEnd/>
+            <a:tailEnd/>
+          </a:ln>
+        </p:spPr>
+        <p:txBody>
+          <a:bodyPr vert="horz" wrap="square" lIns="91440" tIns="45720" rIns="91440" bIns="45720" numCol="1" anchor="t" anchorCtr="0" compatLnSpc="1">
+            <a:prstTxWarp prst="textNoShape">
+              <a:avLst/>
+            </a:prstTxWarp>
+            <a:noAutofit/>
+          </a:bodyPr>
+          <a:lstStyle>
+            <a:lvl1pPr marL="342900" indent="-342900" algn="l" defTabSz="457200" rtl="0" eaLnBrk="0" fontAlgn="base" hangingPunct="0">
+              <a:spcBef>
+                <a:spcPct val="20000"/>
+              </a:spcBef>
+              <a:spcAft>
+                <a:spcPct val="0"/>
+              </a:spcAft>
+              <a:buFont typeface="Arial" pitchFamily="34" charset="0"/>
+              <a:buNone/>
+              <a:defRPr lang="en-US" sz="2400" b="0" kern="1200" baseline="0" smtClean="0">
+                <a:solidFill>
+                  <a:schemeClr val="bg1"/>
+                </a:solidFill>
+                <a:latin typeface="TitilliumMaps29L 1 wt"/>
+                <a:ea typeface="Trebuchet MS" pitchFamily="34" charset="0"/>
+                <a:cs typeface="TitilliumMaps29L 1 wt"/>
+              </a:defRPr>
+            </a:lvl1pPr>
+            <a:lvl2pPr marL="742950" indent="-285750" algn="l" defTabSz="457200" rtl="0" eaLnBrk="0" fontAlgn="base" hangingPunct="0">
+              <a:spcBef>
+                <a:spcPct val="20000"/>
+              </a:spcBef>
+              <a:spcAft>
+                <a:spcPct val="0"/>
+              </a:spcAft>
+              <a:buFont typeface="Arial" pitchFamily="34" charset="0"/>
+              <a:defRPr sz="1600" kern="1200">
+                <a:solidFill>
+                  <a:schemeClr val="tx1"/>
+                </a:solidFill>
+                <a:latin typeface="Trebuchet MS"/>
+                <a:ea typeface="Trebuchet MS" pitchFamily="34" charset="0"/>
+                <a:cs typeface="Trebuchet MS"/>
+              </a:defRPr>
+            </a:lvl2pPr>
+            <a:lvl3pPr marL="1143000" indent="-228600" algn="l" defTabSz="457200" rtl="0" eaLnBrk="0" fontAlgn="base" hangingPunct="0">
+              <a:spcBef>
+                <a:spcPct val="20000"/>
+              </a:spcBef>
+              <a:spcAft>
+                <a:spcPct val="0"/>
+              </a:spcAft>
+              <a:buFont typeface="Arial" pitchFamily="34" charset="0"/>
+              <a:defRPr sz="1600" kern="1200">
+                <a:solidFill>
+                  <a:schemeClr val="tx1"/>
+                </a:solidFill>
+                <a:latin typeface="Trebuchet MS"/>
+                <a:ea typeface="Trebuchet MS" pitchFamily="34" charset="0"/>
+                <a:cs typeface="Trebuchet MS"/>
+              </a:defRPr>
+            </a:lvl3pPr>
+            <a:lvl4pPr marL="1600200" indent="-228600" algn="l" defTabSz="457200" rtl="0" eaLnBrk="0" fontAlgn="base" hangingPunct="0">
+              <a:spcBef>
+                <a:spcPct val="20000"/>
+              </a:spcBef>
+              <a:spcAft>
+                <a:spcPct val="0"/>
+              </a:spcAft>
+              <a:buFont typeface="Arial" pitchFamily="34" charset="0"/>
+              <a:defRPr sz="1600" kern="1200">
+                <a:solidFill>
+                  <a:schemeClr val="tx1"/>
+                </a:solidFill>
+                <a:latin typeface="Trebuchet MS"/>
+                <a:ea typeface="Trebuchet MS" pitchFamily="34" charset="0"/>
+                <a:cs typeface="Trebuchet MS"/>
+              </a:defRPr>
+            </a:lvl4pPr>
+            <a:lvl5pPr marL="2057400" indent="-228600" algn="l" defTabSz="457200" rtl="0" eaLnBrk="0" fontAlgn="base" hangingPunct="0">
+              <a:spcBef>
+                <a:spcPct val="20000"/>
+              </a:spcBef>
+              <a:spcAft>
+                <a:spcPct val="0"/>
+              </a:spcAft>
+              <a:buFont typeface="Arial" pitchFamily="34" charset="0"/>
+              <a:defRPr sz="1600" kern="1200">
+                <a:solidFill>
+                  <a:schemeClr val="tx1"/>
+                </a:solidFill>
+                <a:latin typeface="Trebuchet MS"/>
+                <a:ea typeface="Trebuchet MS" pitchFamily="34" charset="0"/>
+                <a:cs typeface="Trebuchet MS"/>
+              </a:defRPr>
+            </a:lvl5pPr>
+            <a:lvl6pPr marL="2514600" indent="-228600" algn="l" defTabSz="457200" rtl="0" eaLnBrk="1" latinLnBrk="0" hangingPunct="1">
+              <a:spcBef>
+                <a:spcPct val="20000"/>
+              </a:spcBef>
+              <a:buFont typeface="Arial"/>
+              <a:buChar char="•"/>
+              <a:defRPr sz="2000" kern="1200">
+                <a:solidFill>
+                  <a:schemeClr val="tx1"/>
+                </a:solidFill>
+                <a:latin typeface="+mn-lt"/>
+                <a:ea typeface="+mn-ea"/>
+                <a:cs typeface="+mn-cs"/>
+              </a:defRPr>
+            </a:lvl6pPr>
+            <a:lvl7pPr marL="2971800" indent="-228600" algn="l" defTabSz="457200" rtl="0" eaLnBrk="1" latinLnBrk="0" hangingPunct="1">
+              <a:spcBef>
+                <a:spcPct val="20000"/>
+              </a:spcBef>
+              <a:buFont typeface="Arial"/>
+              <a:buChar char="•"/>
+              <a:defRPr sz="2000" kern="1200">
+                <a:solidFill>
+                  <a:schemeClr val="tx1"/>
+                </a:solidFill>
+                <a:latin typeface="+mn-lt"/>
+                <a:ea typeface="+mn-ea"/>
+                <a:cs typeface="+mn-cs"/>
+              </a:defRPr>
+            </a:lvl7pPr>
+            <a:lvl8pPr marL="3429000" indent="-228600" algn="l" defTabSz="457200" rtl="0" eaLnBrk="1" latinLnBrk="0" hangingPunct="1">
+              <a:spcBef>
+                <a:spcPct val="20000"/>
+              </a:spcBef>
+              <a:buFont typeface="Arial"/>
+              <a:buChar char="•"/>
+              <a:defRPr sz="2000" kern="1200">
+                <a:solidFill>
+                  <a:schemeClr val="tx1"/>
+                </a:solidFill>
+                <a:latin typeface="+mn-lt"/>
+                <a:ea typeface="+mn-ea"/>
+                <a:cs typeface="+mn-cs"/>
+              </a:defRPr>
+            </a:lvl8pPr>
+            <a:lvl9pPr marL="3886200" indent="-228600" algn="l" defTabSz="457200" rtl="0" eaLnBrk="1" latinLnBrk="0" hangingPunct="1">
+              <a:spcBef>
+                <a:spcPct val="20000"/>
+              </a:spcBef>
+              <a:buFont typeface="Arial"/>
+              <a:buChar char="•"/>
+              <a:defRPr sz="2000" kern="1200">
+                <a:solidFill>
+                  <a:schemeClr val="tx1"/>
+                </a:solidFill>
+                <a:latin typeface="+mn-lt"/>
+                <a:ea typeface="+mn-ea"/>
+                <a:cs typeface="+mn-cs"/>
+              </a:defRPr>
+            </a:lvl9pPr>
+          </a:lstStyle>
+          <a:p>
+            <a:pPr marL="0" indent="0"/>
+            <a:r>
+              <a:rPr lang="de-AT" dirty="0" smtClean="0">
+                <a:latin typeface="Agency FB" panose="020B0503020202020204" pitchFamily="34" charset="0"/>
+                <a:ea typeface="TitilliumMaps29L 1 wt"/>
+              </a:rPr>
+              <a:t>user : velimira.madjarova</a:t>
+            </a:r>
+            <a:endParaRPr lang="de-AT" dirty="0">
+              <a:latin typeface="Agency FB" panose="020B0503020202020204" pitchFamily="34" charset="0"/>
+              <a:ea typeface="TitilliumMaps29L 1 wt"/>
             </a:endParaRPr>
           </a:p>
         </p:txBody>
@@ -34259,7 +35797,7 @@
                 </a:solidFill>
                 <a:latin typeface="Agency FB" panose="020B0503020202020204" pitchFamily="34" charset="0"/>
               </a:rPr>
-              <a:t>QUESTTION</a:t>
+              <a:t>QUESTIONS</a:t>
             </a:r>
             <a:endParaRPr lang="de-DE" sz="3600" b="1" dirty="0">
               <a:solidFill>
